--- a/assets/vldb23.pptx
+++ b/assets/vldb23.pptx
@@ -132,6 +132,11 @@
       </a:defRPr>
     </a:lvl9pPr>
   </p:defaultTextStyle>
+  <p:extLst>
+    <p:ext uri="{EFAFB233-063F-42B5-8137-9DF3F51BA10A}">
+      <p15:sldGuideLst xmlns:p15="http://schemas.microsoft.com/office/powerpoint/2012/main"/>
+    </p:ext>
+  </p:extLst>
 </p:presentation>
 </file>
 
@@ -217,7 +222,7 @@
           <a:p>
             <a:fld id="{15AB885E-B077-5D45-90BE-7634F177A297}" type="datetimeFigureOut">
               <a:rPr lang="en-US" smtClean="0"/>
-              <a:t>11/26/23</a:t>
+              <a:t>11/29/23</a:t>
             </a:fld>
             <a:endParaRPr lang="en-US"/>
           </a:p>
@@ -2871,7 +2876,7 @@
           <a:p>
             <a:fld id="{C95C88A6-C7F1-DA44-B459-5E767005D9A1}" type="datetimeFigureOut">
               <a:rPr lang="en-US" smtClean="0"/>
-              <a:t>11/26/23</a:t>
+              <a:t>11/29/23</a:t>
             </a:fld>
             <a:endParaRPr lang="en-US"/>
           </a:p>
@@ -3071,7 +3076,7 @@
           <a:p>
             <a:fld id="{C95C88A6-C7F1-DA44-B459-5E767005D9A1}" type="datetimeFigureOut">
               <a:rPr lang="en-US" smtClean="0"/>
-              <a:t>11/26/23</a:t>
+              <a:t>11/29/23</a:t>
             </a:fld>
             <a:endParaRPr lang="en-US"/>
           </a:p>
@@ -3281,7 +3286,7 @@
           <a:p>
             <a:fld id="{C95C88A6-C7F1-DA44-B459-5E767005D9A1}" type="datetimeFigureOut">
               <a:rPr lang="en-US" smtClean="0"/>
-              <a:t>11/26/23</a:t>
+              <a:t>11/29/23</a:t>
             </a:fld>
             <a:endParaRPr lang="en-US"/>
           </a:p>
@@ -3481,7 +3486,7 @@
           <a:p>
             <a:fld id="{C95C88A6-C7F1-DA44-B459-5E767005D9A1}" type="datetimeFigureOut">
               <a:rPr lang="en-US" smtClean="0"/>
-              <a:t>11/26/23</a:t>
+              <a:t>11/29/23</a:t>
             </a:fld>
             <a:endParaRPr lang="en-US"/>
           </a:p>
@@ -3757,7 +3762,7 @@
           <a:p>
             <a:fld id="{C95C88A6-C7F1-DA44-B459-5E767005D9A1}" type="datetimeFigureOut">
               <a:rPr lang="en-US" smtClean="0"/>
-              <a:t>11/26/23</a:t>
+              <a:t>11/29/23</a:t>
             </a:fld>
             <a:endParaRPr lang="en-US"/>
           </a:p>
@@ -4025,7 +4030,7 @@
           <a:p>
             <a:fld id="{C95C88A6-C7F1-DA44-B459-5E767005D9A1}" type="datetimeFigureOut">
               <a:rPr lang="en-US" smtClean="0"/>
-              <a:t>11/26/23</a:t>
+              <a:t>11/29/23</a:t>
             </a:fld>
             <a:endParaRPr lang="en-US"/>
           </a:p>
@@ -4440,7 +4445,7 @@
           <a:p>
             <a:fld id="{C95C88A6-C7F1-DA44-B459-5E767005D9A1}" type="datetimeFigureOut">
               <a:rPr lang="en-US" smtClean="0"/>
-              <a:t>11/26/23</a:t>
+              <a:t>11/29/23</a:t>
             </a:fld>
             <a:endParaRPr lang="en-US"/>
           </a:p>
@@ -4582,7 +4587,7 @@
           <a:p>
             <a:fld id="{C95C88A6-C7F1-DA44-B459-5E767005D9A1}" type="datetimeFigureOut">
               <a:rPr lang="en-US" smtClean="0"/>
-              <a:t>11/26/23</a:t>
+              <a:t>11/29/23</a:t>
             </a:fld>
             <a:endParaRPr lang="en-US"/>
           </a:p>
@@ -4695,7 +4700,7 @@
           <a:p>
             <a:fld id="{C95C88A6-C7F1-DA44-B459-5E767005D9A1}" type="datetimeFigureOut">
               <a:rPr lang="en-US" smtClean="0"/>
-              <a:t>11/26/23</a:t>
+              <a:t>11/29/23</a:t>
             </a:fld>
             <a:endParaRPr lang="en-US"/>
           </a:p>
@@ -5008,7 +5013,7 @@
           <a:p>
             <a:fld id="{C95C88A6-C7F1-DA44-B459-5E767005D9A1}" type="datetimeFigureOut">
               <a:rPr lang="en-US" smtClean="0"/>
-              <a:t>11/26/23</a:t>
+              <a:t>11/29/23</a:t>
             </a:fld>
             <a:endParaRPr lang="en-US"/>
           </a:p>
@@ -5297,7 +5302,7 @@
           <a:p>
             <a:fld id="{C95C88A6-C7F1-DA44-B459-5E767005D9A1}" type="datetimeFigureOut">
               <a:rPr lang="en-US" smtClean="0"/>
-              <a:t>11/26/23</a:t>
+              <a:t>11/29/23</a:t>
             </a:fld>
             <a:endParaRPr lang="en-US"/>
           </a:p>
@@ -5540,7 +5545,7 @@
           <a:p>
             <a:fld id="{C95C88A6-C7F1-DA44-B459-5E767005D9A1}" type="datetimeFigureOut">
               <a:rPr lang="en-US" smtClean="0"/>
-              <a:t>11/26/23</a:t>
+              <a:t>11/29/23</a:t>
             </a:fld>
             <a:endParaRPr lang="en-US"/>
           </a:p>
